--- a/Syllabus/Lecture09/Lec09.pptx
+++ b/Syllabus/Lecture09/Lec09.pptx
@@ -329,7 +329,7 @@
           <a:p>
             <a:fld id="{DF9C6931-D0F6-AB40-9D7F-95567148A5C2}" type="datetimeFigureOut">
               <a:rPr lang="en-US" smtClean="0"/>
-              <a:t>9/20/2021</a:t>
+              <a:t>9/21/2021</a:t>
             </a:fld>
             <a:endParaRPr lang="en-US"/>
           </a:p>
@@ -447,7 +447,7 @@
     </inkml:brush>
   </inkml:definitions>
   <inkml:trace contextRef="#ctx0" brushRef="#br0">3059 4378,'8'3,"6"0,1-1,-1 0,1-1,0-1,-1-1,1 0,0-1,-1 0,0-1,1-1,-1 0,10-5,-9 5,84-27,-1-4,-2-5,3-6,-57 24,-1-1,-2-3,0-1,-2-2,-1-1,-1-2,-2-1,11-16,44-65,-4-5,-6-3,-5-3,-6-3,0-15,-10 28,4 3,22-24,-21 42,3 2,4 3,4 3,46-40,3 17,76-48,-102 92,3 5,2 5,2 4,3 4,60-16,174-75,-260 102,-45 23,0-2,-1-1,-1-2,0-1,-1-2,-2-1,0-1,10-12,39-77,-60 83,-11 14,0 2</inkml:trace>
-  <inkml:trace contextRef="#ctx0" brushRef="#br0" timeOffset="13562.36">3170 4292,'-11'-8,"9"7,-4-2,1-1,-1 0,1 0,-1 0,1-1,0 1,1-1,-1 0,1-1,0 1,0-1,0-2,-16-38,2-1,3 0,-9-45,7 25,-7-21,-3 2,-4 2,-4 1,-4 0,-59-89,-19-12,71 115,-4 3,-2 1,-3 4,-11-6,-65-55,-5 6,-42-21,-414-292,136 87,352 260,4-5,4-4,4-4,-68-93,129 147,2 0,2-2,2-1,2-1,2 0,2-2,2-1,2 0,-4-28,0-38,-3-83,12 86,-23-97,29 194,4 13</inkml:trace>
+  <inkml:trace contextRef="#ctx0" brushRef="#br0" timeOffset="13562.359">3170 4292,'-11'-8,"9"7,-4-2,1-1,-1 0,1 0,-1 0,1-1,0 1,1-1,-1 0,1-1,0 1,0-1,0-2,-16-38,2-1,3 0,-9-45,7 25,-7-21,-3 2,-4 2,-4 1,-4 0,-59-89,-19-12,71 115,-4 3,-2 1,-3 4,-11-6,-65-55,-5 6,-42-21,-414-292,136 87,352 260,4-5,4-4,4-4,-68-93,129 147,2 0,2-2,2-1,2-1,2 0,2-2,2-1,2 0,-4-28,0-38,-3-83,12 86,-23-97,29 194,4 13</inkml:trace>
   <inkml:trace contextRef="#ctx0" brushRef="#br0" timeOffset="15640.835">3246 4437,'-74'28,"74"-28,-1 0,1 1,-1-1,1 0,0 1,-1-1,1 1,0-1,-1 0,1 1,0-1,0 1,0-1,-1 1,1-1,0 1,0-1,0 1,0-1,0 1,0-1,0 1,0-1,0 1,0-1,0 0,0 1,0-1,0 1,0-1,1 1,-1-1,0 1,0-1,0 1,1-1,-1 0,0 1,1-1,-1 1,0-1,1 0,-1 1,1-1,-1 0,0 0,1 1,-1-1,1 0,-1 0,1 0,-1 1,1-1,-1 0,1 0,-1 0,1 0,-1 0,1 0,-1 0,4 2,55 42,-1 3,-3 3,-2 1,7 12,107 124,-131-152,-2 0,-2 3,-1 0,-2 2,14 28,6 26,31 90,-65-144,-2 0,-1 0,-2 1,-2 1,-2 0,-1 0,-3 0,-1 15,-12 85,-6 0,-11 26,-16 129,35-219,4 1,3 0,4-1,3 1,9 36,-6-69,-5-16,1-1,2 0,1 0,2 0,0-1,2 0,1-1,14 22,38 23,-62-69,-1 0</inkml:trace>
 </inkml:ink>
 </file>
@@ -824,7 +824,7 @@
           <a:p>
             <a:fld id="{736C18F2-6801-5147-A332-A6E1C7D69D18}" type="datetimeFigureOut">
               <a:rPr lang="en-US" smtClean="0"/>
-              <a:t>9/20/2021</a:t>
+              <a:t>9/21/2021</a:t>
             </a:fld>
             <a:endParaRPr lang="en-US"/>
           </a:p>
@@ -15108,7 +15108,7 @@
           <a:graphicData uri="http://schemas.openxmlformats.org/presentationml/2006/ole">
             <mc:AlternateContent xmlns:mc="http://schemas.openxmlformats.org/markup-compatibility/2006">
               <mc:Choice xmlns:v="urn:schemas-microsoft-com:vml" Requires="v">
-                <p:oleObj spid="_x0000_s7223" name="Equation" r:id="rId4" imgW="3581400" imgH="863600" progId="Equation.3">
+                <p:oleObj spid="_x0000_s7224" name="Equation" r:id="rId4" imgW="3581400" imgH="863600" progId="Equation.3">
                   <p:embed/>
                 </p:oleObj>
               </mc:Choice>
@@ -15425,6 +15425,89 @@
               </a:rPr>
               <a:t>https://twitter.com/dataiku/status/798981230960246785/photo/1</a:t>
             </a:r>
+          </a:p>
+        </p:txBody>
+      </p:sp>
+      <p:sp>
+        <p:nvSpPr>
+          <p:cNvPr id="3" name="TextBox 2">
+            <a:extLst>
+              <a:ext uri="{FF2B5EF4-FFF2-40B4-BE49-F238E27FC236}">
+                <a16:creationId xmlns:a16="http://schemas.microsoft.com/office/drawing/2014/main" id="{1855D5E5-1BFE-4335-B09B-452B44B118EA}"/>
+              </a:ext>
+            </a:extLst>
+          </p:cNvPr>
+          <p:cNvSpPr txBox="1"/>
+          <p:nvPr/>
+        </p:nvSpPr>
+        <p:spPr>
+          <a:xfrm>
+            <a:off x="6625423" y="5821879"/>
+            <a:ext cx="366291" cy="215444"/>
+          </a:xfrm>
+          <a:prstGeom prst="rect">
+            <a:avLst/>
+          </a:prstGeom>
+          <a:noFill/>
+        </p:spPr>
+        <p:txBody>
+          <a:bodyPr wrap="square" rtlCol="0">
+            <a:spAutoFit/>
+          </a:bodyPr>
+          <a:lstStyle/>
+          <a:p>
+            <a:r>
+              <a:rPr lang="en-US" sz="800" b="1" dirty="0"/>
+              <a:t>k=4</a:t>
+            </a:r>
+          </a:p>
+        </p:txBody>
+      </p:sp>
+      <p:sp>
+        <p:nvSpPr>
+          <p:cNvPr id="4" name="Multiplication Sign 3">
+            <a:extLst>
+              <a:ext uri="{FF2B5EF4-FFF2-40B4-BE49-F238E27FC236}">
+                <a16:creationId xmlns:a16="http://schemas.microsoft.com/office/drawing/2014/main" id="{F0D54ED6-A165-43A0-B78F-19D33DC0CF47}"/>
+              </a:ext>
+            </a:extLst>
+          </p:cNvPr>
+          <p:cNvSpPr/>
+          <p:nvPr/>
+        </p:nvSpPr>
+        <p:spPr>
+          <a:xfrm>
+            <a:off x="6700889" y="5761778"/>
+            <a:ext cx="215361" cy="120037"/>
+          </a:xfrm>
+          <a:prstGeom prst="mathMultiply">
+            <a:avLst>
+              <a:gd name="adj1" fmla="val 0"/>
+            </a:avLst>
+          </a:prstGeom>
+        </p:spPr>
+        <p:style>
+          <a:lnRef idx="2">
+            <a:schemeClr val="dk1">
+              <a:shade val="50000"/>
+            </a:schemeClr>
+          </a:lnRef>
+          <a:fillRef idx="1">
+            <a:schemeClr val="dk1"/>
+          </a:fillRef>
+          <a:effectRef idx="0">
+            <a:schemeClr val="dk1"/>
+          </a:effectRef>
+          <a:fontRef idx="minor">
+            <a:schemeClr val="lt1"/>
+          </a:fontRef>
+        </p:style>
+        <p:txBody>
+          <a:bodyPr rtlCol="0" anchor="ctr"/>
+          <a:lstStyle/>
+          <a:p>
+            <a:pPr algn="ctr"/>
+            <a:endParaRPr lang="en-US"/>
           </a:p>
         </p:txBody>
       </p:sp>
@@ -19350,8 +19433,8 @@
           </a:p>
         </p:txBody>
       </p:sp>
-      <mc:AlternateContent xmlns:mc="http://schemas.openxmlformats.org/markup-compatibility/2006">
-        <mc:Choice xmlns:p14="http://schemas.microsoft.com/office/powerpoint/2010/main" Requires="p14">
+      <mc:AlternateContent xmlns:mc="http://schemas.openxmlformats.org/markup-compatibility/2006" xmlns:p14="http://schemas.microsoft.com/office/powerpoint/2010/main">
+        <mc:Choice Requires="p14">
           <p:contentPart p14:bwMode="auto" r:id="rId3">
             <p14:nvContentPartPr>
               <p14:cNvPr id="10" name="Ink 9">
@@ -19370,7 +19453,7 @@
             </p14:xfrm>
           </p:contentPart>
         </mc:Choice>
-        <mc:Fallback>
+        <mc:Fallback xmlns="">
           <p:pic>
             <p:nvPicPr>
               <p:cNvPr id="10" name="Ink 9">
@@ -19401,8 +19484,8 @@
           </p:pic>
         </mc:Fallback>
       </mc:AlternateContent>
-      <mc:AlternateContent xmlns:mc="http://schemas.openxmlformats.org/markup-compatibility/2006">
-        <mc:Choice xmlns:p14="http://schemas.microsoft.com/office/powerpoint/2010/main" Requires="p14">
+      <mc:AlternateContent xmlns:mc="http://schemas.openxmlformats.org/markup-compatibility/2006" xmlns:p14="http://schemas.microsoft.com/office/powerpoint/2010/main">
+        <mc:Choice Requires="p14">
           <p:contentPart p14:bwMode="auto" r:id="rId5">
             <p14:nvContentPartPr>
               <p14:cNvPr id="11" name="Ink 10">
@@ -19421,7 +19504,7 @@
             </p14:xfrm>
           </p:contentPart>
         </mc:Choice>
-        <mc:Fallback>
+        <mc:Fallback xmlns="">
           <p:pic>
             <p:nvPicPr>
               <p:cNvPr id="11" name="Ink 10">
@@ -19870,8 +19953,8 @@
           </a:p>
         </p:txBody>
       </p:sp>
-      <mc:AlternateContent xmlns:mc="http://schemas.openxmlformats.org/markup-compatibility/2006">
-        <mc:Choice xmlns:p14="http://schemas.microsoft.com/office/powerpoint/2010/main" Requires="p14">
+      <mc:AlternateContent xmlns:mc="http://schemas.openxmlformats.org/markup-compatibility/2006" xmlns:p14="http://schemas.microsoft.com/office/powerpoint/2010/main">
+        <mc:Choice Requires="p14">
           <p:contentPart p14:bwMode="auto" r:id="rId3">
             <p14:nvContentPartPr>
               <p14:cNvPr id="11" name="Ink 10">
@@ -19890,7 +19973,7 @@
             </p14:xfrm>
           </p:contentPart>
         </mc:Choice>
-        <mc:Fallback>
+        <mc:Fallback xmlns="">
           <p:pic>
             <p:nvPicPr>
               <p:cNvPr id="11" name="Ink 10">
@@ -20151,8 +20234,8 @@
           </a:p>
         </p:txBody>
       </p:sp>
-      <mc:AlternateContent xmlns:mc="http://schemas.openxmlformats.org/markup-compatibility/2006">
-        <mc:Choice xmlns:p14="http://schemas.microsoft.com/office/powerpoint/2010/main" Requires="p14">
+      <mc:AlternateContent xmlns:mc="http://schemas.openxmlformats.org/markup-compatibility/2006" xmlns:p14="http://schemas.microsoft.com/office/powerpoint/2010/main">
+        <mc:Choice Requires="p14">
           <p:contentPart p14:bwMode="auto" r:id="rId3">
             <p14:nvContentPartPr>
               <p14:cNvPr id="11" name="Ink 10">
@@ -20171,7 +20254,7 @@
             </p14:xfrm>
           </p:contentPart>
         </mc:Choice>
-        <mc:Fallback>
+        <mc:Fallback xmlns="">
           <p:pic>
             <p:nvPicPr>
               <p:cNvPr id="11" name="Ink 10">
@@ -20350,8 +20433,8 @@
           </a:p>
         </p:txBody>
       </p:sp>
-      <mc:AlternateContent xmlns:mc="http://schemas.openxmlformats.org/markup-compatibility/2006">
-        <mc:Choice xmlns:p14="http://schemas.microsoft.com/office/powerpoint/2010/main" Requires="p14">
+      <mc:AlternateContent xmlns:mc="http://schemas.openxmlformats.org/markup-compatibility/2006" xmlns:p14="http://schemas.microsoft.com/office/powerpoint/2010/main">
+        <mc:Choice Requires="p14">
           <p:contentPart p14:bwMode="auto" r:id="rId3">
             <p14:nvContentPartPr>
               <p14:cNvPr id="11" name="Ink 10">
@@ -20370,7 +20453,7 @@
             </p14:xfrm>
           </p:contentPart>
         </mc:Choice>
-        <mc:Fallback>
+        <mc:Fallback xmlns="">
           <p:pic>
             <p:nvPicPr>
               <p:cNvPr id="11" name="Ink 10">
@@ -20689,8 +20772,8 @@
           </a:p>
         </p:txBody>
       </p:sp>
-      <mc:AlternateContent xmlns:mc="http://schemas.openxmlformats.org/markup-compatibility/2006">
-        <mc:Choice xmlns:p14="http://schemas.microsoft.com/office/powerpoint/2010/main" Requires="p14">
+      <mc:AlternateContent xmlns:mc="http://schemas.openxmlformats.org/markup-compatibility/2006" xmlns:p14="http://schemas.microsoft.com/office/powerpoint/2010/main">
+        <mc:Choice Requires="p14">
           <p:contentPart p14:bwMode="auto" r:id="rId3">
             <p14:nvContentPartPr>
               <p14:cNvPr id="11" name="Ink 10">
@@ -20709,7 +20792,7 @@
             </p14:xfrm>
           </p:contentPart>
         </mc:Choice>
-        <mc:Fallback>
+        <mc:Fallback xmlns="">
           <p:pic>
             <p:nvPicPr>
               <p:cNvPr id="11" name="Ink 10">
@@ -21806,8 +21889,8 @@
           </a:p>
         </p:txBody>
       </p:sp>
-      <mc:AlternateContent xmlns:mc="http://schemas.openxmlformats.org/markup-compatibility/2006">
-        <mc:Choice xmlns:p14="http://schemas.microsoft.com/office/powerpoint/2010/main" Requires="p14">
+      <mc:AlternateContent xmlns:mc="http://schemas.openxmlformats.org/markup-compatibility/2006" xmlns:p14="http://schemas.microsoft.com/office/powerpoint/2010/main">
+        <mc:Choice Requires="p14">
           <p:contentPart p14:bwMode="auto" r:id="rId5">
             <p14:nvContentPartPr>
               <p14:cNvPr id="31" name="Ink 30">
@@ -21826,7 +21909,7 @@
             </p14:xfrm>
           </p:contentPart>
         </mc:Choice>
-        <mc:Fallback>
+        <mc:Fallback xmlns="">
           <p:pic>
             <p:nvPicPr>
               <p:cNvPr id="31" name="Ink 30">
@@ -22001,8 +22084,8 @@
           </a:p>
         </p:txBody>
       </p:sp>
-      <mc:AlternateContent xmlns:mc="http://schemas.openxmlformats.org/markup-compatibility/2006">
-        <mc:Choice xmlns:p14="http://schemas.microsoft.com/office/powerpoint/2010/main" Requires="p14">
+      <mc:AlternateContent xmlns:mc="http://schemas.openxmlformats.org/markup-compatibility/2006" xmlns:p14="http://schemas.microsoft.com/office/powerpoint/2010/main">
+        <mc:Choice Requires="p14">
           <p:contentPart p14:bwMode="auto" r:id="rId3">
             <p14:nvContentPartPr>
               <p14:cNvPr id="11" name="Ink 10">
@@ -22021,7 +22104,7 @@
             </p14:xfrm>
           </p:contentPart>
         </mc:Choice>
-        <mc:Fallback>
+        <mc:Fallback xmlns="">
           <p:pic>
             <p:nvPicPr>
               <p:cNvPr id="11" name="Ink 10">
@@ -23118,8 +23201,8 @@
           </a:p>
         </p:txBody>
       </p:sp>
-      <mc:AlternateContent xmlns:mc="http://schemas.openxmlformats.org/markup-compatibility/2006">
-        <mc:Choice xmlns:p14="http://schemas.microsoft.com/office/powerpoint/2010/main" Requires="p14">
+      <mc:AlternateContent xmlns:mc="http://schemas.openxmlformats.org/markup-compatibility/2006" xmlns:p14="http://schemas.microsoft.com/office/powerpoint/2010/main">
+        <mc:Choice Requires="p14">
           <p:contentPart p14:bwMode="auto" r:id="rId5">
             <p14:nvContentPartPr>
               <p14:cNvPr id="27" name="Ink 26">
@@ -23138,7 +23221,7 @@
             </p14:xfrm>
           </p:contentPart>
         </mc:Choice>
-        <mc:Fallback>
+        <mc:Fallback xmlns="">
           <p:pic>
             <p:nvPicPr>
               <p:cNvPr id="27" name="Ink 26">
@@ -23369,8 +23452,8 @@
           </a:p>
         </p:txBody>
       </p:sp>
-      <mc:AlternateContent xmlns:mc="http://schemas.openxmlformats.org/markup-compatibility/2006">
-        <mc:Choice xmlns:p14="http://schemas.microsoft.com/office/powerpoint/2010/main" Requires="p14">
+      <mc:AlternateContent xmlns:mc="http://schemas.openxmlformats.org/markup-compatibility/2006" xmlns:p14="http://schemas.microsoft.com/office/powerpoint/2010/main">
+        <mc:Choice Requires="p14">
           <p:contentPart p14:bwMode="auto" r:id="rId3">
             <p14:nvContentPartPr>
               <p14:cNvPr id="11" name="Ink 10">
@@ -23389,7 +23472,7 @@
             </p14:xfrm>
           </p:contentPart>
         </mc:Choice>
-        <mc:Fallback>
+        <mc:Fallback xmlns="">
           <p:pic>
             <p:nvPicPr>
               <p:cNvPr id="11" name="Ink 10">
@@ -24211,8 +24294,8 @@
           </a:p>
         </p:txBody>
       </p:sp>
-      <mc:AlternateContent xmlns:mc="http://schemas.openxmlformats.org/markup-compatibility/2006">
-        <mc:Choice xmlns:p14="http://schemas.microsoft.com/office/powerpoint/2010/main" Requires="p14">
+      <mc:AlternateContent xmlns:mc="http://schemas.openxmlformats.org/markup-compatibility/2006" xmlns:p14="http://schemas.microsoft.com/office/powerpoint/2010/main">
+        <mc:Choice Requires="p14">
           <p:contentPart p14:bwMode="auto" r:id="rId3">
             <p14:nvContentPartPr>
               <p14:cNvPr id="11" name="Ink 10">
@@ -24231,7 +24314,7 @@
             </p14:xfrm>
           </p:contentPart>
         </mc:Choice>
-        <mc:Fallback>
+        <mc:Fallback xmlns="">
           <p:pic>
             <p:nvPicPr>
               <p:cNvPr id="11" name="Ink 10">
@@ -24793,8 +24876,8 @@
           </a:p>
         </p:txBody>
       </p:sp>
-      <mc:AlternateContent xmlns:mc="http://schemas.openxmlformats.org/markup-compatibility/2006">
-        <mc:Choice xmlns:p14="http://schemas.microsoft.com/office/powerpoint/2010/main" Requires="p14">
+      <mc:AlternateContent xmlns:mc="http://schemas.openxmlformats.org/markup-compatibility/2006" xmlns:p14="http://schemas.microsoft.com/office/powerpoint/2010/main">
+        <mc:Choice Requires="p14">
           <p:contentPart p14:bwMode="auto" r:id="rId3">
             <p14:nvContentPartPr>
               <p14:cNvPr id="11" name="Ink 10">
@@ -24813,7 +24896,7 @@
             </p14:xfrm>
           </p:contentPart>
         </mc:Choice>
-        <mc:Fallback>
+        <mc:Fallback xmlns="">
           <p:pic>
             <p:nvPicPr>
               <p:cNvPr id="11" name="Ink 10">
